--- a/Medicine Management System PPT.pptx
+++ b/Medicine Management System PPT.pptx
@@ -5851,16 +5851,17 @@
         </p:nvSpPr>
         <p:spPr>
           <a:xfrm>
-            <a:off x="675861" y="1448594"/>
-            <a:ext cx="10591254" cy="1980406"/>
+            <a:off x="3617843" y="1448594"/>
+            <a:ext cx="7503498" cy="1980406"/>
           </a:xfrm>
         </p:spPr>
         <p:txBody>
           <a:bodyPr>
-            <a:normAutofit/>
+            <a:normAutofit lnSpcReduction="10000"/>
           </a:bodyPr>
           <a:lstStyle/>
           <a:p>
+            <a:pPr algn="ctr"/>
             <a:r>
               <a:rPr lang="en-GB" sz="5400" b="1" spc="-1" dirty="0">
                 <a:latin typeface="Arial"/>
@@ -6132,6 +6133,68 @@
           </a:p>
         </p:txBody>
       </p:sp>
+      <p:pic>
+        <p:nvPicPr>
+          <p:cNvPr id="5" name="Picture 4">
+            <a:extLst>
+              <a:ext uri="{FF2B5EF4-FFF2-40B4-BE49-F238E27FC236}">
+                <a16:creationId xmlns:a16="http://schemas.microsoft.com/office/drawing/2014/main" id="{F27E0063-17BA-4A02-8C7A-925CF418C780}"/>
+              </a:ext>
+            </a:extLst>
+          </p:cNvPr>
+          <p:cNvPicPr>
+            <a:picLocks noChangeAspect="1"/>
+          </p:cNvPicPr>
+          <p:nvPr/>
+        </p:nvPicPr>
+        <p:blipFill>
+          <a:blip r:embed="rId2">
+            <a:extLst>
+              <a:ext uri="{28A0092B-C50C-407E-A947-70E740481C1C}">
+                <a14:useLocalDpi xmlns:a14="http://schemas.microsoft.com/office/drawing/2010/main" val="0"/>
+              </a:ext>
+            </a:extLst>
+          </a:blip>
+          <a:stretch>
+            <a:fillRect/>
+          </a:stretch>
+        </p:blipFill>
+        <p:spPr>
+          <a:xfrm>
+            <a:off x="1736847" y="1125441"/>
+            <a:ext cx="1258144" cy="1258144"/>
+          </a:xfrm>
+          <a:prstGeom prst="roundRect">
+            <a:avLst>
+              <a:gd name="adj" fmla="val 4167"/>
+            </a:avLst>
+          </a:prstGeom>
+          <a:solidFill>
+            <a:srgbClr val="FFFFFF"/>
+          </a:solidFill>
+          <a:ln w="76200" cap="sq">
+            <a:solidFill>
+              <a:srgbClr val="EAEAEA"/>
+            </a:solidFill>
+            <a:miter lim="800000"/>
+          </a:ln>
+          <a:effectLst>
+            <a:reflection blurRad="12700" stA="33000" endPos="28000" dist="5000" dir="5400000" sy="-100000" algn="bl" rotWithShape="0"/>
+          </a:effectLst>
+          <a:scene3d>
+            <a:camera prst="orthographicFront"/>
+            <a:lightRig rig="threePt" dir="t">
+              <a:rot lat="0" lon="0" rev="2700000"/>
+            </a:lightRig>
+          </a:scene3d>
+          <a:sp3d contourW="6350">
+            <a:bevelT h="38100"/>
+            <a:contourClr>
+              <a:srgbClr val="C0C0C0"/>
+            </a:contourClr>
+          </a:sp3d>
+        </p:spPr>
+      </p:pic>
     </p:spTree>
     <p:extLst>
       <p:ext uri="{BB962C8B-B14F-4D97-AF65-F5344CB8AC3E}">
